--- a/Img/Architecture.pptx
+++ b/Img/Architecture.pptx
@@ -104,6 +104,11 @@
       </a:defRPr>
     </a:lvl9pPr>
   </p:defaultTextStyle>
+  <p:extLst>
+    <p:ext uri="{EFAFB233-063F-42B5-8137-9DF3F51BA10A}">
+      <p15:sldGuideLst xmlns:p15="http://schemas.microsoft.com/office/powerpoint/2012/main"/>
+    </p:ext>
+  </p:extLst>
 </p:presentation>
 </file>
 
@@ -238,7 +243,7 @@
           <a:p>
             <a:fld id="{356BE093-2D16-4319-B620-DE1CF3F33902}" type="datetimeFigureOut">
               <a:rPr lang="en-US" smtClean="0"/>
-              <a:t>11/6/2023</a:t>
+              <a:t>11/27/2023</a:t>
             </a:fld>
             <a:endParaRPr lang="en-US"/>
           </a:p>
@@ -408,7 +413,7 @@
           <a:p>
             <a:fld id="{356BE093-2D16-4319-B620-DE1CF3F33902}" type="datetimeFigureOut">
               <a:rPr lang="en-US" smtClean="0"/>
-              <a:t>11/6/2023</a:t>
+              <a:t>11/27/2023</a:t>
             </a:fld>
             <a:endParaRPr lang="en-US"/>
           </a:p>
@@ -588,7 +593,7 @@
           <a:p>
             <a:fld id="{356BE093-2D16-4319-B620-DE1CF3F33902}" type="datetimeFigureOut">
               <a:rPr lang="en-US" smtClean="0"/>
-              <a:t>11/6/2023</a:t>
+              <a:t>11/27/2023</a:t>
             </a:fld>
             <a:endParaRPr lang="en-US"/>
           </a:p>
@@ -758,7 +763,7 @@
           <a:p>
             <a:fld id="{356BE093-2D16-4319-B620-DE1CF3F33902}" type="datetimeFigureOut">
               <a:rPr lang="en-US" smtClean="0"/>
-              <a:t>11/6/2023</a:t>
+              <a:t>11/27/2023</a:t>
             </a:fld>
             <a:endParaRPr lang="en-US"/>
           </a:p>
@@ -1004,7 +1009,7 @@
           <a:p>
             <a:fld id="{356BE093-2D16-4319-B620-DE1CF3F33902}" type="datetimeFigureOut">
               <a:rPr lang="en-US" smtClean="0"/>
-              <a:t>11/6/2023</a:t>
+              <a:t>11/27/2023</a:t>
             </a:fld>
             <a:endParaRPr lang="en-US"/>
           </a:p>
@@ -1236,7 +1241,7 @@
           <a:p>
             <a:fld id="{356BE093-2D16-4319-B620-DE1CF3F33902}" type="datetimeFigureOut">
               <a:rPr lang="en-US" smtClean="0"/>
-              <a:t>11/6/2023</a:t>
+              <a:t>11/27/2023</a:t>
             </a:fld>
             <a:endParaRPr lang="en-US"/>
           </a:p>
@@ -1603,7 +1608,7 @@
           <a:p>
             <a:fld id="{356BE093-2D16-4319-B620-DE1CF3F33902}" type="datetimeFigureOut">
               <a:rPr lang="en-US" smtClean="0"/>
-              <a:t>11/6/2023</a:t>
+              <a:t>11/27/2023</a:t>
             </a:fld>
             <a:endParaRPr lang="en-US"/>
           </a:p>
@@ -1721,7 +1726,7 @@
           <a:p>
             <a:fld id="{356BE093-2D16-4319-B620-DE1CF3F33902}" type="datetimeFigureOut">
               <a:rPr lang="en-US" smtClean="0"/>
-              <a:t>11/6/2023</a:t>
+              <a:t>11/27/2023</a:t>
             </a:fld>
             <a:endParaRPr lang="en-US"/>
           </a:p>
@@ -1816,7 +1821,7 @@
           <a:p>
             <a:fld id="{356BE093-2D16-4319-B620-DE1CF3F33902}" type="datetimeFigureOut">
               <a:rPr lang="en-US" smtClean="0"/>
-              <a:t>11/6/2023</a:t>
+              <a:t>11/27/2023</a:t>
             </a:fld>
             <a:endParaRPr lang="en-US"/>
           </a:p>
@@ -2093,7 +2098,7 @@
           <a:p>
             <a:fld id="{356BE093-2D16-4319-B620-DE1CF3F33902}" type="datetimeFigureOut">
               <a:rPr lang="en-US" smtClean="0"/>
-              <a:t>11/6/2023</a:t>
+              <a:t>11/27/2023</a:t>
             </a:fld>
             <a:endParaRPr lang="en-US"/>
           </a:p>
@@ -2346,7 +2351,7 @@
           <a:p>
             <a:fld id="{356BE093-2D16-4319-B620-DE1CF3F33902}" type="datetimeFigureOut">
               <a:rPr lang="en-US" smtClean="0"/>
-              <a:t>11/6/2023</a:t>
+              <a:t>11/27/2023</a:t>
             </a:fld>
             <a:endParaRPr lang="en-US"/>
           </a:p>
@@ -2559,7 +2564,7 @@
           <a:p>
             <a:fld id="{356BE093-2D16-4319-B620-DE1CF3F33902}" type="datetimeFigureOut">
               <a:rPr lang="en-US" smtClean="0"/>
-              <a:t>11/6/2023</a:t>
+              <a:t>11/27/2023</a:t>
             </a:fld>
             <a:endParaRPr lang="en-US"/>
           </a:p>
@@ -2972,8 +2977,8 @@
         </p:nvSpPr>
         <p:spPr>
           <a:xfrm>
-            <a:off x="-12232" y="0"/>
-            <a:ext cx="12191999" cy="6858000"/>
+            <a:off x="-89201" y="17246"/>
+            <a:ext cx="12268967" cy="6895958"/>
           </a:xfrm>
           <a:prstGeom prst="rect">
             <a:avLst/>
@@ -3010,55 +3015,9 @@
           </a:p>
         </p:txBody>
       </p:sp>
-      <p:sp>
-        <p:nvSpPr>
-          <p:cNvPr id="8" name="Rectangle 7"/>
-          <p:cNvSpPr/>
-          <p:nvPr/>
-        </p:nvSpPr>
-        <p:spPr>
-          <a:xfrm>
-            <a:off x="1502702" y="1301581"/>
-            <a:ext cx="3711849" cy="2921546"/>
-          </a:xfrm>
-          <a:prstGeom prst="rect">
-            <a:avLst/>
-          </a:prstGeom>
-          <a:noFill/>
-          <a:ln w="19050">
-            <a:solidFill>
-              <a:schemeClr val="bg1"/>
-            </a:solidFill>
-          </a:ln>
-        </p:spPr>
-        <p:style>
-          <a:lnRef idx="2">
-            <a:schemeClr val="accent1">
-              <a:shade val="50000"/>
-            </a:schemeClr>
-          </a:lnRef>
-          <a:fillRef idx="1">
-            <a:schemeClr val="accent1"/>
-          </a:fillRef>
-          <a:effectRef idx="0">
-            <a:schemeClr val="accent1"/>
-          </a:effectRef>
-          <a:fontRef idx="minor">
-            <a:schemeClr val="lt1"/>
-          </a:fontRef>
-        </p:style>
-        <p:txBody>
-          <a:bodyPr rtlCol="0" anchor="ctr"/>
-          <a:lstStyle/>
-          <a:p>
-            <a:pPr algn="ctr"/>
-            <a:endParaRPr lang="en-US"/>
-          </a:p>
-        </p:txBody>
-      </p:sp>
       <p:pic>
         <p:nvPicPr>
-          <p:cNvPr id="10" name="Picture 9"/>
+          <p:cNvPr id="15" name="Picture 14"/>
           <p:cNvPicPr>
             <a:picLocks noChangeAspect="1"/>
           </p:cNvPicPr>
@@ -3078,8 +3037,8 @@
         </p:blipFill>
         <p:spPr>
           <a:xfrm>
-            <a:off x="1484207" y="2009690"/>
-            <a:ext cx="1245622" cy="576991"/>
+            <a:off x="-12232" y="2905239"/>
+            <a:ext cx="872852" cy="282804"/>
           </a:xfrm>
           <a:prstGeom prst="rect">
             <a:avLst/>
@@ -3088,7 +3047,7 @@
       </p:pic>
       <p:pic>
         <p:nvPicPr>
-          <p:cNvPr id="15" name="Picture 14"/>
+          <p:cNvPr id="25" name="Picture 24"/>
           <p:cNvPicPr>
             <a:picLocks noChangeAspect="1"/>
           </p:cNvPicPr>
@@ -3108,8 +3067,8 @@
         </p:blipFill>
         <p:spPr>
           <a:xfrm>
-            <a:off x="-12232" y="2905239"/>
-            <a:ext cx="1370512" cy="444046"/>
+            <a:off x="3632631" y="5919021"/>
+            <a:ext cx="1272132" cy="491140"/>
           </a:xfrm>
           <a:prstGeom prst="rect">
             <a:avLst/>
@@ -3118,7 +3077,7 @@
       </p:pic>
       <p:pic>
         <p:nvPicPr>
-          <p:cNvPr id="16" name="Picture 15"/>
+          <p:cNvPr id="26" name="Picture 25"/>
           <p:cNvPicPr>
             <a:picLocks noChangeAspect="1"/>
           </p:cNvPicPr>
@@ -3138,146 +3097,17 @@
         </p:blipFill>
         <p:spPr>
           <a:xfrm>
-            <a:off x="3429556" y="2089354"/>
-            <a:ext cx="1092839" cy="319586"/>
+            <a:off x="2598660" y="5896440"/>
+            <a:ext cx="568411" cy="568411"/>
           </a:xfrm>
           <a:prstGeom prst="rect">
             <a:avLst/>
           </a:prstGeom>
         </p:spPr>
       </p:pic>
-      <p:cxnSp>
-        <p:nvCxnSpPr>
-          <p:cNvPr id="18" name="Straight Arrow Connector 17"/>
-          <p:cNvCxnSpPr/>
-          <p:nvPr/>
-        </p:nvCxnSpPr>
-        <p:spPr>
-          <a:xfrm flipV="1">
-            <a:off x="2203939" y="2443059"/>
-            <a:ext cx="3802" cy="406384"/>
-          </a:xfrm>
-          <a:prstGeom prst="straightConnector1">
-            <a:avLst/>
-          </a:prstGeom>
-          <a:ln>
-            <a:tailEnd type="triangle"/>
-          </a:ln>
-        </p:spPr>
-        <p:style>
-          <a:lnRef idx="3">
-            <a:schemeClr val="accent6"/>
-          </a:lnRef>
-          <a:fillRef idx="0">
-            <a:schemeClr val="accent6"/>
-          </a:fillRef>
-          <a:effectRef idx="2">
-            <a:schemeClr val="accent6"/>
-          </a:effectRef>
-          <a:fontRef idx="minor">
-            <a:schemeClr val="tx1"/>
-          </a:fontRef>
-        </p:style>
-      </p:cxnSp>
-      <p:cxnSp>
-        <p:nvCxnSpPr>
-          <p:cNvPr id="19" name="Straight Arrow Connector 18"/>
-          <p:cNvCxnSpPr/>
-          <p:nvPr/>
-        </p:nvCxnSpPr>
-        <p:spPr>
-          <a:xfrm flipV="1">
-            <a:off x="4020700" y="2441893"/>
-            <a:ext cx="3802" cy="406384"/>
-          </a:xfrm>
-          <a:prstGeom prst="straightConnector1">
-            <a:avLst/>
-          </a:prstGeom>
-          <a:ln>
-            <a:tailEnd type="triangle"/>
-          </a:ln>
-        </p:spPr>
-        <p:style>
-          <a:lnRef idx="3">
-            <a:schemeClr val="accent6"/>
-          </a:lnRef>
-          <a:fillRef idx="0">
-            <a:schemeClr val="accent6"/>
-          </a:fillRef>
-          <a:effectRef idx="2">
-            <a:schemeClr val="accent6"/>
-          </a:effectRef>
-          <a:fontRef idx="minor">
-            <a:schemeClr val="tx1"/>
-          </a:fontRef>
-        </p:style>
-      </p:cxnSp>
-      <p:cxnSp>
-        <p:nvCxnSpPr>
-          <p:cNvPr id="21" name="Straight Connector 20"/>
-          <p:cNvCxnSpPr/>
-          <p:nvPr/>
-        </p:nvCxnSpPr>
-        <p:spPr>
-          <a:xfrm>
-            <a:off x="2203939" y="2849443"/>
-            <a:ext cx="1818662" cy="0"/>
-          </a:xfrm>
-          <a:prstGeom prst="line">
-            <a:avLst/>
-          </a:prstGeom>
-        </p:spPr>
-        <p:style>
-          <a:lnRef idx="3">
-            <a:schemeClr val="accent6"/>
-          </a:lnRef>
-          <a:fillRef idx="0">
-            <a:schemeClr val="accent6"/>
-          </a:fillRef>
-          <a:effectRef idx="2">
-            <a:schemeClr val="accent6"/>
-          </a:effectRef>
-          <a:fontRef idx="minor">
-            <a:schemeClr val="tx1"/>
-          </a:fontRef>
-        </p:style>
-      </p:cxnSp>
-      <p:cxnSp>
-        <p:nvCxnSpPr>
-          <p:cNvPr id="24" name="Straight Arrow Connector 23"/>
-          <p:cNvCxnSpPr/>
-          <p:nvPr/>
-        </p:nvCxnSpPr>
-        <p:spPr>
-          <a:xfrm>
-            <a:off x="3104399" y="2848277"/>
-            <a:ext cx="0" cy="423246"/>
-          </a:xfrm>
-          <a:prstGeom prst="straightConnector1">
-            <a:avLst/>
-          </a:prstGeom>
-          <a:ln>
-            <a:tailEnd type="triangle"/>
-          </a:ln>
-        </p:spPr>
-        <p:style>
-          <a:lnRef idx="3">
-            <a:schemeClr val="accent6"/>
-          </a:lnRef>
-          <a:fillRef idx="0">
-            <a:schemeClr val="accent6"/>
-          </a:fillRef>
-          <a:effectRef idx="2">
-            <a:schemeClr val="accent6"/>
-          </a:effectRef>
-          <a:fontRef idx="minor">
-            <a:schemeClr val="tx1"/>
-          </a:fontRef>
-        </p:style>
-      </p:cxnSp>
       <p:pic>
         <p:nvPicPr>
-          <p:cNvPr id="25" name="Picture 24"/>
+          <p:cNvPr id="28" name="Picture 27"/>
           <p:cNvPicPr>
             <a:picLocks noChangeAspect="1"/>
           </p:cNvPicPr>
@@ -3297,8 +3127,8 @@
         </p:blipFill>
         <p:spPr>
           <a:xfrm>
-            <a:off x="2382329" y="3349285"/>
-            <a:ext cx="1638371" cy="632536"/>
+            <a:off x="2281298" y="3368900"/>
+            <a:ext cx="651816" cy="651816"/>
           </a:xfrm>
           <a:prstGeom prst="rect">
             <a:avLst/>
@@ -3307,7 +3137,7 @@
       </p:pic>
       <p:pic>
         <p:nvPicPr>
-          <p:cNvPr id="26" name="Picture 25"/>
+          <p:cNvPr id="29" name="Picture 28"/>
           <p:cNvPicPr>
             <a:picLocks noChangeAspect="1"/>
           </p:cNvPicPr>
@@ -3327,114 +3157,8 @@
         </p:blipFill>
         <p:spPr>
           <a:xfrm>
-            <a:off x="4646140" y="1301581"/>
-            <a:ext cx="568411" cy="568411"/>
-          </a:xfrm>
-          <a:prstGeom prst="rect">
-            <a:avLst/>
-          </a:prstGeom>
-        </p:spPr>
-      </p:pic>
-      <p:sp>
-        <p:nvSpPr>
-          <p:cNvPr id="27" name="Rectangle 26"/>
-          <p:cNvSpPr/>
-          <p:nvPr/>
-        </p:nvSpPr>
-        <p:spPr>
-          <a:xfrm>
-            <a:off x="5438696" y="329513"/>
-            <a:ext cx="6275510" cy="6120713"/>
-          </a:xfrm>
-          <a:prstGeom prst="rect">
-            <a:avLst/>
-          </a:prstGeom>
-          <a:noFill/>
-          <a:ln w="19050">
-            <a:solidFill>
-              <a:schemeClr val="bg1"/>
-            </a:solidFill>
-          </a:ln>
-        </p:spPr>
-        <p:style>
-          <a:lnRef idx="2">
-            <a:schemeClr val="accent1">
-              <a:shade val="50000"/>
-            </a:schemeClr>
-          </a:lnRef>
-          <a:fillRef idx="1">
-            <a:schemeClr val="accent1"/>
-          </a:fillRef>
-          <a:effectRef idx="0">
-            <a:schemeClr val="accent1"/>
-          </a:effectRef>
-          <a:fontRef idx="minor">
-            <a:schemeClr val="lt1"/>
-          </a:fontRef>
-        </p:style>
-        <p:txBody>
-          <a:bodyPr rtlCol="0" anchor="ctr"/>
-          <a:lstStyle/>
-          <a:p>
-            <a:pPr algn="ctr"/>
-            <a:endParaRPr lang="en-US"/>
-          </a:p>
-        </p:txBody>
-      </p:sp>
-      <p:pic>
-        <p:nvPicPr>
-          <p:cNvPr id="28" name="Picture 27"/>
-          <p:cNvPicPr>
-            <a:picLocks noChangeAspect="1"/>
-          </p:cNvPicPr>
-          <p:nvPr/>
-        </p:nvPicPr>
-        <p:blipFill>
-          <a:blip r:embed="rId7" cstate="print">
-            <a:extLst>
-              <a:ext uri="{28A0092B-C50C-407E-A947-70E740481C1C}">
-                <a14:useLocalDpi xmlns:a14="http://schemas.microsoft.com/office/drawing/2010/main" val="0"/>
-              </a:ext>
-            </a:extLst>
-          </a:blip>
-          <a:stretch>
-            <a:fillRect/>
-          </a:stretch>
-        </p:blipFill>
-        <p:spPr>
-          <a:xfrm>
-            <a:off x="5613546" y="3405365"/>
-            <a:ext cx="952549" cy="952549"/>
-          </a:xfrm>
-          <a:prstGeom prst="rect">
-            <a:avLst/>
-          </a:prstGeom>
-        </p:spPr>
-      </p:pic>
-      <p:pic>
-        <p:nvPicPr>
-          <p:cNvPr id="29" name="Picture 28"/>
-          <p:cNvPicPr>
-            <a:picLocks noChangeAspect="1"/>
-          </p:cNvPicPr>
-          <p:nvPr/>
-        </p:nvPicPr>
-        <p:blipFill>
-          <a:blip r:embed="rId7" cstate="print">
-            <a:extLst>
-              <a:ext uri="{28A0092B-C50C-407E-A947-70E740481C1C}">
-                <a14:useLocalDpi xmlns:a14="http://schemas.microsoft.com/office/drawing/2010/main" val="0"/>
-              </a:ext>
-            </a:extLst>
-          </a:blip>
-          <a:stretch>
-            <a:fillRect/>
-          </a:stretch>
-        </p:blipFill>
-        <p:spPr>
-          <a:xfrm>
-            <a:off x="6778818" y="3385989"/>
-            <a:ext cx="952549" cy="952549"/>
+            <a:off x="4709645" y="3362564"/>
+            <a:ext cx="634727" cy="634727"/>
           </a:xfrm>
           <a:prstGeom prst="rect">
             <a:avLst/>
@@ -3446,7 +3170,7 @@
           <p:cNvPr id="30" name="Graphic 53" descr="Crawler resource icon for the AWS Glue service.">
             <a:extLst>
               <a:ext uri="{FF2B5EF4-FFF2-40B4-BE49-F238E27FC236}">
-                <a16:creationId xmlns:a16="http://schemas.microsoft.com/office/drawing/2014/main" xmlns="" id="{BF2EF803-75CA-4822-AC84-2355412B9688}"/>
+                <a16:creationId xmlns="" xmlns:a16="http://schemas.microsoft.com/office/drawing/2014/main" id="{BF2EF803-75CA-4822-AC84-2355412B9688}"/>
               </a:ext>
             </a:extLst>
           </p:cNvPr>
@@ -3456,10 +3180,10 @@
           <p:nvPr/>
         </p:nvPicPr>
         <p:blipFill>
-          <a:blip r:embed="rId8">
+          <a:blip r:embed="rId7">
             <a:extLst>
               <a:ext uri="{96DAC541-7B7A-43D3-8B79-37D633B846F1}">
-                <asvg:svgBlip xmlns:asvg="http://schemas.microsoft.com/office/drawing/2016/SVG/main" xmlns="" r:embed="rId9"/>
+                <asvg:svgBlip xmlns="" xmlns:asvg="http://schemas.microsoft.com/office/drawing/2016/SVG/main" r:embed="rId9"/>
               </a:ext>
             </a:extLst>
           </a:blip>
@@ -3469,7 +3193,7 @@
         </p:blipFill>
         <p:spPr>
           <a:xfrm>
-            <a:off x="5736044" y="2312990"/>
+            <a:off x="2195553" y="2360591"/>
             <a:ext cx="707554" cy="457200"/>
           </a:xfrm>
           <a:prstGeom prst="rect">
@@ -3482,7 +3206,7 @@
           <p:cNvPr id="31" name="Graphic 6" descr="AWS Glue service icon.">
             <a:extLst>
               <a:ext uri="{FF2B5EF4-FFF2-40B4-BE49-F238E27FC236}">
-                <a16:creationId xmlns:a16="http://schemas.microsoft.com/office/drawing/2014/main" xmlns="" id="{20009679-9FF5-4367-8848-81028E4166B0}"/>
+                <a16:creationId xmlns="" xmlns:a16="http://schemas.microsoft.com/office/drawing/2014/main" id="{20009679-9FF5-4367-8848-81028E4166B0}"/>
               </a:ext>
             </a:extLst>
           </p:cNvPr>
@@ -3495,7 +3219,7 @@
           <a:blip r:embed="rId10">
             <a:extLst>
               <a:ext uri="{96DAC541-7B7A-43D3-8B79-37D633B846F1}">
-                <asvg:svgBlip xmlns:asvg="http://schemas.microsoft.com/office/drawing/2016/SVG/main" xmlns="" r:embed="rId11"/>
+                <asvg:svgBlip xmlns="" xmlns:asvg="http://schemas.microsoft.com/office/drawing/2016/SVG/main" r:embed="rId11"/>
               </a:ext>
             </a:extLst>
           </a:blip>
@@ -3504,7 +3228,7 @@
         </p:blipFill>
         <p:spPr bwMode="auto">
           <a:xfrm>
-            <a:off x="8407938" y="2312990"/>
+            <a:off x="6940600" y="2511752"/>
             <a:ext cx="762000" cy="762000"/>
           </a:xfrm>
           <a:prstGeom prst="rect">
@@ -3540,7 +3264,7 @@
           <p:cNvPr id="32" name="Graphic 55" descr="AWS Glue Data Catalog resource icon for the AWS Glue service.">
             <a:extLst>
               <a:ext uri="{FF2B5EF4-FFF2-40B4-BE49-F238E27FC236}">
-                <a16:creationId xmlns:a16="http://schemas.microsoft.com/office/drawing/2014/main" xmlns="" id="{118AEBA6-B174-4027-9F75-4D03C7AEB8A0}"/>
+                <a16:creationId xmlns="" xmlns:a16="http://schemas.microsoft.com/office/drawing/2014/main" id="{118AEBA6-B174-4027-9F75-4D03C7AEB8A0}"/>
               </a:ext>
             </a:extLst>
           </p:cNvPr>
@@ -3553,7 +3277,7 @@
           <a:blip r:embed="rId12">
             <a:extLst>
               <a:ext uri="{96DAC541-7B7A-43D3-8B79-37D633B846F1}">
-                <asvg:svgBlip xmlns:asvg="http://schemas.microsoft.com/office/drawing/2016/SVG/main" xmlns="" r:embed="rId13"/>
+                <asvg:svgBlip xmlns="" xmlns:asvg="http://schemas.microsoft.com/office/drawing/2016/SVG/main" r:embed="rId13"/>
               </a:ext>
             </a:extLst>
           </a:blip>
@@ -3563,7 +3287,7 @@
         </p:blipFill>
         <p:spPr>
           <a:xfrm>
-            <a:off x="6672716" y="1055308"/>
+            <a:off x="3309418" y="996973"/>
             <a:ext cx="457200" cy="457200"/>
           </a:xfrm>
           <a:prstGeom prst="rect">
@@ -3576,7 +3300,7 @@
           <p:cNvPr id="33" name="Graphic 53" descr="Crawler resource icon for the AWS Glue service.">
             <a:extLst>
               <a:ext uri="{FF2B5EF4-FFF2-40B4-BE49-F238E27FC236}">
-                <a16:creationId xmlns:a16="http://schemas.microsoft.com/office/drawing/2014/main" xmlns="" id="{BF2EF803-75CA-4822-AC84-2355412B9688}"/>
+                <a16:creationId xmlns="" xmlns:a16="http://schemas.microsoft.com/office/drawing/2014/main" id="{BF2EF803-75CA-4822-AC84-2355412B9688}"/>
               </a:ext>
             </a:extLst>
           </p:cNvPr>
@@ -3586,10 +3310,10 @@
           <p:nvPr/>
         </p:nvPicPr>
         <p:blipFill>
-          <a:blip r:embed="rId8">
+          <a:blip r:embed="rId7">
             <a:extLst>
               <a:ext uri="{96DAC541-7B7A-43D3-8B79-37D633B846F1}">
-                <asvg:svgBlip xmlns:asvg="http://schemas.microsoft.com/office/drawing/2016/SVG/main" xmlns="" r:embed="rId9"/>
+                <asvg:svgBlip xmlns="" xmlns:asvg="http://schemas.microsoft.com/office/drawing/2016/SVG/main" r:embed="rId9"/>
               </a:ext>
             </a:extLst>
           </a:blip>
@@ -3599,7 +3323,7 @@
         </p:blipFill>
         <p:spPr>
           <a:xfrm>
-            <a:off x="6901316" y="2312990"/>
+            <a:off x="4720914" y="2377426"/>
             <a:ext cx="707554" cy="457200"/>
           </a:xfrm>
           <a:prstGeom prst="rect">
@@ -3629,8 +3353,8 @@
         </p:blipFill>
         <p:spPr>
           <a:xfrm>
-            <a:off x="10698124" y="292273"/>
-            <a:ext cx="1155181" cy="844627"/>
+            <a:off x="11123440" y="355234"/>
+            <a:ext cx="877695" cy="641739"/>
           </a:xfrm>
           <a:prstGeom prst="rect">
             <a:avLst/>
@@ -3645,7 +3369,7 @@
         </p:nvSpPr>
         <p:spPr>
           <a:xfrm>
-            <a:off x="5672269" y="2709860"/>
+            <a:off x="2126997" y="2716723"/>
             <a:ext cx="864438" cy="307777"/>
           </a:xfrm>
           <a:prstGeom prst="rect">
@@ -3687,7 +3411,7 @@
         </p:nvSpPr>
         <p:spPr>
           <a:xfrm>
-            <a:off x="6874218" y="2697116"/>
+            <a:off x="4613910" y="2738864"/>
             <a:ext cx="852873" cy="307777"/>
           </a:xfrm>
           <a:prstGeom prst="rect">
@@ -3729,7 +3453,7 @@
         </p:nvCxnSpPr>
         <p:spPr>
           <a:xfrm flipV="1">
-            <a:off x="6079965" y="2949722"/>
+            <a:off x="2578554" y="2942345"/>
             <a:ext cx="3802" cy="406384"/>
           </a:xfrm>
           <a:prstGeom prst="straightConnector1">
@@ -3762,7 +3486,7 @@
         </p:nvCxnSpPr>
         <p:spPr>
           <a:xfrm flipV="1">
-            <a:off x="7267556" y="2945146"/>
+            <a:off x="4999172" y="2968290"/>
             <a:ext cx="3802" cy="406384"/>
           </a:xfrm>
           <a:prstGeom prst="straightConnector1">
@@ -3795,7 +3519,7 @@
         </p:nvSpPr>
         <p:spPr>
           <a:xfrm>
-            <a:off x="5574501" y="4363897"/>
+            <a:off x="2143344" y="4001890"/>
             <a:ext cx="1172470" cy="307777"/>
           </a:xfrm>
           <a:prstGeom prst="rect">
@@ -3833,7 +3557,7 @@
         </p:nvSpPr>
         <p:spPr>
           <a:xfrm>
-            <a:off x="6856249" y="4401137"/>
+            <a:off x="4585654" y="3964327"/>
             <a:ext cx="1172470" cy="523220"/>
           </a:xfrm>
           <a:prstGeom prst="rect">
@@ -3868,7 +3592,7 @@
           <p:cNvPr id="43" name="TextBox 24">
             <a:extLst>
               <a:ext uri="{FF2B5EF4-FFF2-40B4-BE49-F238E27FC236}">
-                <a16:creationId xmlns:a16="http://schemas.microsoft.com/office/drawing/2014/main" xmlns="" id="{1AE5850E-13B3-48A3-95E4-9C2ABD35A954}"/>
+                <a16:creationId xmlns="" xmlns:a16="http://schemas.microsoft.com/office/drawing/2014/main" id="{1AE5850E-13B3-48A3-95E4-9C2ABD35A954}"/>
               </a:ext>
             </a:extLst>
           </p:cNvPr>
@@ -3879,7 +3603,7 @@
         </p:nvSpPr>
         <p:spPr bwMode="auto">
           <a:xfrm>
-            <a:off x="6343195" y="1542287"/>
+            <a:off x="3049840" y="1489355"/>
             <a:ext cx="1075114" cy="461665"/>
           </a:xfrm>
           <a:prstGeom prst="rect">
@@ -4053,7 +3777,7 @@
           <p:cNvPr id="44" name="TextBox 24">
             <a:extLst>
               <a:ext uri="{FF2B5EF4-FFF2-40B4-BE49-F238E27FC236}">
-                <a16:creationId xmlns:a16="http://schemas.microsoft.com/office/drawing/2014/main" xmlns="" id="{1AE5850E-13B3-48A3-95E4-9C2ABD35A954}"/>
+                <a16:creationId xmlns="" xmlns:a16="http://schemas.microsoft.com/office/drawing/2014/main" id="{1AE5850E-13B3-48A3-95E4-9C2ABD35A954}"/>
               </a:ext>
             </a:extLst>
           </p:cNvPr>
@@ -4064,7 +3788,7 @@
         </p:nvSpPr>
         <p:spPr bwMode="auto">
           <a:xfrm>
-            <a:off x="8255905" y="3081383"/>
+            <a:off x="6800443" y="3273752"/>
             <a:ext cx="1075114" cy="276999"/>
           </a:xfrm>
           <a:prstGeom prst="rect">
@@ -4236,7 +3960,7 @@
           <p:cNvPr id="45" name="Graphic 14" descr="Amazon Athena service icon.">
             <a:extLst>
               <a:ext uri="{FF2B5EF4-FFF2-40B4-BE49-F238E27FC236}">
-                <a16:creationId xmlns:a16="http://schemas.microsoft.com/office/drawing/2014/main" xmlns="" id="{396DAAA0-B2D5-4276-98CA-63696F5DF2A5}"/>
+                <a16:creationId xmlns="" xmlns:a16="http://schemas.microsoft.com/office/drawing/2014/main" id="{396DAAA0-B2D5-4276-98CA-63696F5DF2A5}"/>
               </a:ext>
             </a:extLst>
           </p:cNvPr>
@@ -4249,7 +3973,7 @@
           <a:blip r:embed="rId15">
             <a:extLst>
               <a:ext uri="{96DAC541-7B7A-43D3-8B79-37D633B846F1}">
-                <asvg:svgBlip xmlns:asvg="http://schemas.microsoft.com/office/drawing/2016/SVG/main" xmlns="" r:embed="rId16"/>
+                <asvg:svgBlip xmlns="" xmlns:asvg="http://schemas.microsoft.com/office/drawing/2016/SVG/main" r:embed="rId16"/>
               </a:ext>
             </a:extLst>
           </a:blip>
@@ -4258,7 +3982,7 @@
         </p:blipFill>
         <p:spPr bwMode="auto">
           <a:xfrm>
-            <a:off x="9961770" y="1197961"/>
+            <a:off x="8947460" y="1796008"/>
             <a:ext cx="762000" cy="762000"/>
           </a:xfrm>
           <a:prstGeom prst="rect">
@@ -4294,7 +4018,7 @@
           <p:cNvPr id="46" name="Graphic 23" descr="Amazon Redshift service icon.">
             <a:extLst>
               <a:ext uri="{FF2B5EF4-FFF2-40B4-BE49-F238E27FC236}">
-                <a16:creationId xmlns:a16="http://schemas.microsoft.com/office/drawing/2014/main" xmlns="" id="{F1C23086-EC84-CB4E-BB00-6843C7A21B5C}"/>
+                <a16:creationId xmlns="" xmlns:a16="http://schemas.microsoft.com/office/drawing/2014/main" id="{F1C23086-EC84-CB4E-BB00-6843C7A21B5C}"/>
               </a:ext>
             </a:extLst>
           </p:cNvPr>
@@ -4307,7 +4031,7 @@
           <a:blip r:embed="rId17">
             <a:extLst>
               <a:ext uri="{96DAC541-7B7A-43D3-8B79-37D633B846F1}">
-                <asvg:svgBlip xmlns:asvg="http://schemas.microsoft.com/office/drawing/2016/SVG/main" xmlns="" r:embed="rId18"/>
+                <asvg:svgBlip xmlns="" xmlns:asvg="http://schemas.microsoft.com/office/drawing/2016/SVG/main" r:embed="rId18"/>
               </a:ext>
             </a:extLst>
           </a:blip>
@@ -4316,7 +4040,7 @@
         </p:blipFill>
         <p:spPr bwMode="auto">
           <a:xfrm>
-            <a:off x="9980648" y="2513644"/>
+            <a:off x="8947460" y="2905239"/>
             <a:ext cx="762000" cy="762000"/>
           </a:xfrm>
           <a:prstGeom prst="rect">
@@ -4357,8 +4081,8 @@
         </p:nvCxnSpPr>
         <p:spPr>
           <a:xfrm>
-            <a:off x="1358280" y="3127262"/>
-            <a:ext cx="973952" cy="538291"/>
+            <a:off x="860620" y="3046641"/>
+            <a:ext cx="1471612" cy="618912"/>
           </a:xfrm>
           <a:prstGeom prst="curvedConnector3">
             <a:avLst/>
@@ -4390,7 +4114,7 @@
         </p:nvCxnSpPr>
         <p:spPr>
           <a:xfrm>
-            <a:off x="4070797" y="3710521"/>
+            <a:off x="3039445" y="3727498"/>
             <a:ext cx="1454346" cy="271300"/>
           </a:xfrm>
           <a:prstGeom prst="curvedConnector3">
@@ -4425,7 +4149,7 @@
         </p:nvSpPr>
         <p:spPr>
           <a:xfrm>
-            <a:off x="5824886" y="1197962"/>
+            <a:off x="2381925" y="1294883"/>
             <a:ext cx="847830" cy="1080666"/>
           </a:xfrm>
           <a:custGeom>
@@ -4491,8 +4215,8 @@
         </p:nvCxnSpPr>
         <p:spPr>
           <a:xfrm>
-            <a:off x="7673286" y="2462915"/>
-            <a:ext cx="660314" cy="386528"/>
+            <a:off x="5596696" y="2606026"/>
+            <a:ext cx="789285" cy="468964"/>
           </a:xfrm>
           <a:prstGeom prst="curvedConnector3">
             <a:avLst/>
@@ -4524,7 +4248,7 @@
         </p:nvSpPr>
         <p:spPr>
           <a:xfrm>
-            <a:off x="5863670" y="1190335"/>
+            <a:off x="2419823" y="1297958"/>
             <a:ext cx="2752066" cy="2209047"/>
           </a:xfrm>
           <a:prstGeom prst="arc">
@@ -4546,6 +4270,1252 @@
           </a:effectRef>
           <a:fontRef idx="minor">
             <a:schemeClr val="tx1"/>
+          </a:fontRef>
+        </p:style>
+        <p:txBody>
+          <a:bodyPr rtlCol="0" anchor="ctr"/>
+          <a:lstStyle/>
+          <a:p>
+            <a:pPr algn="ctr"/>
+            <a:endParaRPr lang="en-US"/>
+          </a:p>
+        </p:txBody>
+      </p:sp>
+      <p:pic>
+        <p:nvPicPr>
+          <p:cNvPr id="2" name="Picture 1"/>
+          <p:cNvPicPr>
+            <a:picLocks noChangeAspect="1"/>
+          </p:cNvPicPr>
+          <p:nvPr/>
+        </p:nvPicPr>
+        <p:blipFill>
+          <a:blip r:embed="rId19" cstate="print">
+            <a:extLst>
+              <a:ext uri="{28A0092B-C50C-407E-A947-70E740481C1C}">
+                <a14:useLocalDpi xmlns:a14="http://schemas.microsoft.com/office/drawing/2010/main" val="0"/>
+              </a:ext>
+            </a:extLst>
+          </a:blip>
+          <a:stretch>
+            <a:fillRect/>
+          </a:stretch>
+        </p:blipFill>
+        <p:spPr>
+          <a:xfrm>
+            <a:off x="1171370" y="2945146"/>
+            <a:ext cx="562289" cy="587587"/>
+          </a:xfrm>
+          <a:prstGeom prst="rect">
+            <a:avLst/>
+          </a:prstGeom>
+        </p:spPr>
+      </p:pic>
+      <p:sp>
+        <p:nvSpPr>
+          <p:cNvPr id="3" name="Rounded Rectangle 2"/>
+          <p:cNvSpPr/>
+          <p:nvPr/>
+        </p:nvSpPr>
+        <p:spPr>
+          <a:xfrm>
+            <a:off x="1358279" y="0"/>
+            <a:ext cx="10821487" cy="6858000"/>
+          </a:xfrm>
+          <a:prstGeom prst="roundRect">
+            <a:avLst/>
+          </a:prstGeom>
+          <a:noFill/>
+          <a:ln>
+            <a:solidFill>
+              <a:schemeClr val="bg1"/>
+            </a:solidFill>
+          </a:ln>
+        </p:spPr>
+        <p:style>
+          <a:lnRef idx="2">
+            <a:schemeClr val="accent1">
+              <a:shade val="50000"/>
+            </a:schemeClr>
+          </a:lnRef>
+          <a:fillRef idx="1">
+            <a:schemeClr val="accent1"/>
+          </a:fillRef>
+          <a:effectRef idx="0">
+            <a:schemeClr val="accent1"/>
+          </a:effectRef>
+          <a:fontRef idx="minor">
+            <a:schemeClr val="lt1"/>
+          </a:fontRef>
+        </p:style>
+        <p:txBody>
+          <a:bodyPr rtlCol="0" anchor="ctr"/>
+          <a:lstStyle/>
+          <a:p>
+            <a:pPr algn="ctr"/>
+            <a:endParaRPr lang="en-US"/>
+          </a:p>
+        </p:txBody>
+      </p:sp>
+      <p:sp>
+        <p:nvSpPr>
+          <p:cNvPr id="7" name="Rounded Rectangle 6"/>
+          <p:cNvSpPr/>
+          <p:nvPr/>
+        </p:nvSpPr>
+        <p:spPr>
+          <a:xfrm>
+            <a:off x="2596740" y="5883839"/>
+            <a:ext cx="2376396" cy="569623"/>
+          </a:xfrm>
+          <a:prstGeom prst="roundRect">
+            <a:avLst/>
+          </a:prstGeom>
+          <a:noFill/>
+          <a:ln>
+            <a:solidFill>
+              <a:schemeClr val="bg1"/>
+            </a:solidFill>
+            <a:prstDash val="sysDash"/>
+          </a:ln>
+        </p:spPr>
+        <p:style>
+          <a:lnRef idx="2">
+            <a:schemeClr val="accent1">
+              <a:shade val="50000"/>
+            </a:schemeClr>
+          </a:lnRef>
+          <a:fillRef idx="1">
+            <a:schemeClr val="accent1"/>
+          </a:fillRef>
+          <a:effectRef idx="0">
+            <a:schemeClr val="accent1"/>
+          </a:effectRef>
+          <a:fontRef idx="minor">
+            <a:schemeClr val="lt1"/>
+          </a:fontRef>
+        </p:style>
+        <p:txBody>
+          <a:bodyPr rtlCol="0" anchor="ctr"/>
+          <a:lstStyle/>
+          <a:p>
+            <a:pPr algn="ctr"/>
+            <a:endParaRPr lang="en-US"/>
+          </a:p>
+        </p:txBody>
+      </p:sp>
+      <p:sp>
+        <p:nvSpPr>
+          <p:cNvPr id="9" name="Rectangle 8"/>
+          <p:cNvSpPr/>
+          <p:nvPr/>
+        </p:nvSpPr>
+        <p:spPr>
+          <a:xfrm>
+            <a:off x="3030236" y="6551120"/>
+            <a:ext cx="1581664" cy="303788"/>
+          </a:xfrm>
+          <a:prstGeom prst="rect">
+            <a:avLst/>
+          </a:prstGeom>
+          <a:noFill/>
+          <a:ln>
+            <a:solidFill>
+              <a:schemeClr val="bg1"/>
+            </a:solidFill>
+            <a:prstDash val="sysDash"/>
+          </a:ln>
+        </p:spPr>
+        <p:style>
+          <a:lnRef idx="2">
+            <a:schemeClr val="accent1">
+              <a:shade val="50000"/>
+            </a:schemeClr>
+          </a:lnRef>
+          <a:fillRef idx="1">
+            <a:schemeClr val="accent1"/>
+          </a:fillRef>
+          <a:effectRef idx="0">
+            <a:schemeClr val="accent1"/>
+          </a:effectRef>
+          <a:fontRef idx="minor">
+            <a:schemeClr val="lt1"/>
+          </a:fontRef>
+        </p:style>
+        <p:txBody>
+          <a:bodyPr rtlCol="0" anchor="ctr"/>
+          <a:lstStyle/>
+          <a:p>
+            <a:pPr algn="ctr"/>
+            <a:endParaRPr lang="en-US"/>
+          </a:p>
+        </p:txBody>
+      </p:sp>
+      <p:sp>
+        <p:nvSpPr>
+          <p:cNvPr id="11" name="TextBox 10"/>
+          <p:cNvSpPr txBox="1"/>
+          <p:nvPr/>
+        </p:nvSpPr>
+        <p:spPr>
+          <a:xfrm>
+            <a:off x="3030236" y="6568691"/>
+            <a:ext cx="2159137" cy="276999"/>
+          </a:xfrm>
+          <a:prstGeom prst="rect">
+            <a:avLst/>
+          </a:prstGeom>
+          <a:noFill/>
+        </p:spPr>
+        <p:txBody>
+          <a:bodyPr wrap="square" rtlCol="0">
+            <a:spAutoFit/>
+          </a:bodyPr>
+          <a:lstStyle/>
+          <a:p>
+            <a:r>
+              <a:rPr lang="en-US" sz="1200" b="1" dirty="0" smtClean="0">
+                <a:solidFill>
+                  <a:schemeClr val="bg1">
+                    <a:lumMod val="50000"/>
+                  </a:schemeClr>
+                </a:solidFill>
+              </a:rPr>
+              <a:t>Orchestration Plane</a:t>
+            </a:r>
+            <a:endParaRPr lang="en-US" sz="1200" b="1" dirty="0">
+              <a:solidFill>
+                <a:schemeClr val="bg1">
+                  <a:lumMod val="50000"/>
+                </a:schemeClr>
+              </a:solidFill>
+            </a:endParaRPr>
+          </a:p>
+        </p:txBody>
+      </p:sp>
+      <p:cxnSp>
+        <p:nvCxnSpPr>
+          <p:cNvPr id="13" name="Straight Arrow Connector 12"/>
+          <p:cNvCxnSpPr/>
+          <p:nvPr/>
+        </p:nvCxnSpPr>
+        <p:spPr>
+          <a:xfrm flipH="1">
+            <a:off x="1358279" y="2693990"/>
+            <a:ext cx="588771" cy="0"/>
+          </a:xfrm>
+          <a:prstGeom prst="straightConnector1">
+            <a:avLst/>
+          </a:prstGeom>
+          <a:ln>
+            <a:tailEnd type="triangle"/>
+          </a:ln>
+        </p:spPr>
+        <p:style>
+          <a:lnRef idx="3">
+            <a:schemeClr val="accent6"/>
+          </a:lnRef>
+          <a:fillRef idx="0">
+            <a:schemeClr val="accent6"/>
+          </a:fillRef>
+          <a:effectRef idx="2">
+            <a:schemeClr val="accent6"/>
+          </a:effectRef>
+          <a:fontRef idx="minor">
+            <a:schemeClr val="tx1"/>
+          </a:fontRef>
+        </p:style>
+      </p:cxnSp>
+      <p:sp>
+        <p:nvSpPr>
+          <p:cNvPr id="14" name="TextBox 13"/>
+          <p:cNvSpPr txBox="1"/>
+          <p:nvPr/>
+        </p:nvSpPr>
+        <p:spPr>
+          <a:xfrm>
+            <a:off x="1245409" y="2319385"/>
+            <a:ext cx="958529" cy="369332"/>
+          </a:xfrm>
+          <a:prstGeom prst="rect">
+            <a:avLst/>
+          </a:prstGeom>
+          <a:noFill/>
+        </p:spPr>
+        <p:txBody>
+          <a:bodyPr wrap="square" rtlCol="0">
+            <a:spAutoFit/>
+          </a:bodyPr>
+          <a:lstStyle/>
+          <a:p>
+            <a:r>
+              <a:rPr lang="en-US" b="1" dirty="0" smtClean="0">
+                <a:solidFill>
+                  <a:schemeClr val="bg1">
+                    <a:lumMod val="50000"/>
+                  </a:schemeClr>
+                </a:solidFill>
+              </a:rPr>
+              <a:t>Extract</a:t>
+            </a:r>
+            <a:endParaRPr lang="en-US" b="1" dirty="0">
+              <a:solidFill>
+                <a:schemeClr val="bg1">
+                  <a:lumMod val="50000"/>
+                </a:schemeClr>
+              </a:solidFill>
+            </a:endParaRPr>
+          </a:p>
+        </p:txBody>
+      </p:sp>
+      <p:sp>
+        <p:nvSpPr>
+          <p:cNvPr id="17" name="Oval 16"/>
+          <p:cNvSpPr/>
+          <p:nvPr/>
+        </p:nvSpPr>
+        <p:spPr>
+          <a:xfrm>
+            <a:off x="1491903" y="2073503"/>
+            <a:ext cx="281145" cy="267837"/>
+          </a:xfrm>
+          <a:prstGeom prst="ellipse">
+            <a:avLst/>
+          </a:prstGeom>
+          <a:noFill/>
+          <a:ln>
+            <a:solidFill>
+              <a:schemeClr val="bg1"/>
+            </a:solidFill>
+          </a:ln>
+        </p:spPr>
+        <p:style>
+          <a:lnRef idx="2">
+            <a:schemeClr val="accent1">
+              <a:shade val="50000"/>
+            </a:schemeClr>
+          </a:lnRef>
+          <a:fillRef idx="1">
+            <a:schemeClr val="accent1"/>
+          </a:fillRef>
+          <a:effectRef idx="0">
+            <a:schemeClr val="accent1"/>
+          </a:effectRef>
+          <a:fontRef idx="minor">
+            <a:schemeClr val="lt1"/>
+          </a:fontRef>
+        </p:style>
+        <p:txBody>
+          <a:bodyPr rtlCol="0" anchor="ctr"/>
+          <a:lstStyle/>
+          <a:p>
+            <a:pPr algn="ctr"/>
+            <a:endParaRPr lang="en-US"/>
+          </a:p>
+        </p:txBody>
+      </p:sp>
+      <p:sp>
+        <p:nvSpPr>
+          <p:cNvPr id="20" name="TextBox 19"/>
+          <p:cNvSpPr txBox="1"/>
+          <p:nvPr/>
+        </p:nvSpPr>
+        <p:spPr>
+          <a:xfrm>
+            <a:off x="1477926" y="2033150"/>
+            <a:ext cx="248568" cy="369332"/>
+          </a:xfrm>
+          <a:prstGeom prst="rect">
+            <a:avLst/>
+          </a:prstGeom>
+          <a:noFill/>
+        </p:spPr>
+        <p:txBody>
+          <a:bodyPr wrap="square" rtlCol="0">
+            <a:spAutoFit/>
+          </a:bodyPr>
+          <a:lstStyle/>
+          <a:p>
+            <a:r>
+              <a:rPr lang="en-US" dirty="0" smtClean="0">
+                <a:solidFill>
+                  <a:schemeClr val="bg1"/>
+                </a:solidFill>
+              </a:rPr>
+              <a:t>1</a:t>
+            </a:r>
+            <a:endParaRPr lang="en-US" dirty="0">
+              <a:solidFill>
+                <a:schemeClr val="bg1"/>
+              </a:solidFill>
+            </a:endParaRPr>
+          </a:p>
+        </p:txBody>
+      </p:sp>
+      <p:sp>
+        <p:nvSpPr>
+          <p:cNvPr id="50" name="TextBox 49"/>
+          <p:cNvSpPr txBox="1"/>
+          <p:nvPr/>
+        </p:nvSpPr>
+        <p:spPr>
+          <a:xfrm>
+            <a:off x="1685621" y="3152775"/>
+            <a:ext cx="248568" cy="369332"/>
+          </a:xfrm>
+          <a:prstGeom prst="rect">
+            <a:avLst/>
+          </a:prstGeom>
+          <a:noFill/>
+        </p:spPr>
+        <p:txBody>
+          <a:bodyPr wrap="square" rtlCol="0">
+            <a:spAutoFit/>
+          </a:bodyPr>
+          <a:lstStyle/>
+          <a:p>
+            <a:r>
+              <a:rPr lang="en-US" dirty="0">
+                <a:solidFill>
+                  <a:schemeClr val="bg1"/>
+                </a:solidFill>
+              </a:rPr>
+              <a:t>2</a:t>
+            </a:r>
+            <a:endParaRPr lang="en-US" dirty="0">
+              <a:solidFill>
+                <a:schemeClr val="bg1"/>
+              </a:solidFill>
+            </a:endParaRPr>
+          </a:p>
+        </p:txBody>
+      </p:sp>
+      <p:sp>
+        <p:nvSpPr>
+          <p:cNvPr id="51" name="TextBox 50"/>
+          <p:cNvSpPr txBox="1"/>
+          <p:nvPr/>
+        </p:nvSpPr>
+        <p:spPr>
+          <a:xfrm>
+            <a:off x="1449943" y="3509328"/>
+            <a:ext cx="958529" cy="369332"/>
+          </a:xfrm>
+          <a:prstGeom prst="rect">
+            <a:avLst/>
+          </a:prstGeom>
+          <a:noFill/>
+        </p:spPr>
+        <p:txBody>
+          <a:bodyPr wrap="square" rtlCol="0">
+            <a:spAutoFit/>
+          </a:bodyPr>
+          <a:lstStyle/>
+          <a:p>
+            <a:r>
+              <a:rPr lang="en-US" b="1" dirty="0" smtClean="0">
+                <a:solidFill>
+                  <a:schemeClr val="bg1">
+                    <a:lumMod val="50000"/>
+                  </a:schemeClr>
+                </a:solidFill>
+              </a:rPr>
+              <a:t>Load</a:t>
+            </a:r>
+            <a:endParaRPr lang="en-US" b="1" dirty="0">
+              <a:solidFill>
+                <a:schemeClr val="bg1">
+                  <a:lumMod val="50000"/>
+                </a:schemeClr>
+              </a:solidFill>
+            </a:endParaRPr>
+          </a:p>
+        </p:txBody>
+      </p:sp>
+      <p:sp>
+        <p:nvSpPr>
+          <p:cNvPr id="52" name="Oval 51"/>
+          <p:cNvSpPr/>
+          <p:nvPr/>
+        </p:nvSpPr>
+        <p:spPr>
+          <a:xfrm>
+            <a:off x="1681892" y="3197388"/>
+            <a:ext cx="281145" cy="267837"/>
+          </a:xfrm>
+          <a:prstGeom prst="ellipse">
+            <a:avLst/>
+          </a:prstGeom>
+          <a:noFill/>
+          <a:ln>
+            <a:solidFill>
+              <a:schemeClr val="bg1"/>
+            </a:solidFill>
+          </a:ln>
+        </p:spPr>
+        <p:style>
+          <a:lnRef idx="2">
+            <a:schemeClr val="accent1">
+              <a:shade val="50000"/>
+            </a:schemeClr>
+          </a:lnRef>
+          <a:fillRef idx="1">
+            <a:schemeClr val="accent1"/>
+          </a:fillRef>
+          <a:effectRef idx="0">
+            <a:schemeClr val="accent1"/>
+          </a:effectRef>
+          <a:fontRef idx="minor">
+            <a:schemeClr val="lt1"/>
+          </a:fontRef>
+        </p:style>
+        <p:txBody>
+          <a:bodyPr rtlCol="0" anchor="ctr"/>
+          <a:lstStyle/>
+          <a:p>
+            <a:pPr algn="ctr"/>
+            <a:endParaRPr lang="en-US"/>
+          </a:p>
+        </p:txBody>
+      </p:sp>
+      <p:sp>
+        <p:nvSpPr>
+          <p:cNvPr id="22" name="Rounded Rectangle 21"/>
+          <p:cNvSpPr/>
+          <p:nvPr/>
+        </p:nvSpPr>
+        <p:spPr>
+          <a:xfrm>
+            <a:off x="2021388" y="653144"/>
+            <a:ext cx="4412561" cy="4127157"/>
+          </a:xfrm>
+          <a:prstGeom prst="roundRect">
+            <a:avLst/>
+          </a:prstGeom>
+          <a:noFill/>
+          <a:ln>
+            <a:solidFill>
+              <a:schemeClr val="bg1"/>
+            </a:solidFill>
+            <a:prstDash val="sysDash"/>
+          </a:ln>
+        </p:spPr>
+        <p:style>
+          <a:lnRef idx="2">
+            <a:schemeClr val="accent1">
+              <a:shade val="50000"/>
+            </a:schemeClr>
+          </a:lnRef>
+          <a:fillRef idx="1">
+            <a:schemeClr val="accent1"/>
+          </a:fillRef>
+          <a:effectRef idx="0">
+            <a:schemeClr val="accent1"/>
+          </a:effectRef>
+          <a:fontRef idx="minor">
+            <a:schemeClr val="lt1"/>
+          </a:fontRef>
+        </p:style>
+        <p:txBody>
+          <a:bodyPr rtlCol="0" anchor="ctr"/>
+          <a:lstStyle/>
+          <a:p>
+            <a:pPr algn="ctr"/>
+            <a:endParaRPr lang="en-US"/>
+          </a:p>
+        </p:txBody>
+      </p:sp>
+      <p:sp>
+        <p:nvSpPr>
+          <p:cNvPr id="53" name="TextBox 52"/>
+          <p:cNvSpPr txBox="1"/>
+          <p:nvPr/>
+        </p:nvSpPr>
+        <p:spPr>
+          <a:xfrm>
+            <a:off x="3583614" y="3446346"/>
+            <a:ext cx="248568" cy="369332"/>
+          </a:xfrm>
+          <a:prstGeom prst="rect">
+            <a:avLst/>
+          </a:prstGeom>
+          <a:noFill/>
+        </p:spPr>
+        <p:txBody>
+          <a:bodyPr wrap="square" rtlCol="0">
+            <a:spAutoFit/>
+          </a:bodyPr>
+          <a:lstStyle/>
+          <a:p>
+            <a:r>
+              <a:rPr lang="en-US" dirty="0" smtClean="0">
+                <a:solidFill>
+                  <a:schemeClr val="bg1"/>
+                </a:solidFill>
+              </a:rPr>
+              <a:t>3</a:t>
+            </a:r>
+            <a:endParaRPr lang="en-US" dirty="0">
+              <a:solidFill>
+                <a:schemeClr val="bg1"/>
+              </a:solidFill>
+            </a:endParaRPr>
+          </a:p>
+        </p:txBody>
+      </p:sp>
+      <p:sp>
+        <p:nvSpPr>
+          <p:cNvPr id="56" name="Oval 55"/>
+          <p:cNvSpPr/>
+          <p:nvPr/>
+        </p:nvSpPr>
+        <p:spPr>
+          <a:xfrm>
+            <a:off x="3596223" y="3493302"/>
+            <a:ext cx="281145" cy="267837"/>
+          </a:xfrm>
+          <a:prstGeom prst="ellipse">
+            <a:avLst/>
+          </a:prstGeom>
+          <a:noFill/>
+          <a:ln>
+            <a:solidFill>
+              <a:schemeClr val="bg1"/>
+            </a:solidFill>
+          </a:ln>
+        </p:spPr>
+        <p:style>
+          <a:lnRef idx="2">
+            <a:schemeClr val="accent1">
+              <a:shade val="50000"/>
+            </a:schemeClr>
+          </a:lnRef>
+          <a:fillRef idx="1">
+            <a:schemeClr val="accent1"/>
+          </a:fillRef>
+          <a:effectRef idx="0">
+            <a:schemeClr val="accent1"/>
+          </a:effectRef>
+          <a:fontRef idx="minor">
+            <a:schemeClr val="lt1"/>
+          </a:fontRef>
+        </p:style>
+        <p:txBody>
+          <a:bodyPr rtlCol="0" anchor="ctr"/>
+          <a:lstStyle/>
+          <a:p>
+            <a:pPr algn="ctr"/>
+            <a:endParaRPr lang="en-US"/>
+          </a:p>
+        </p:txBody>
+      </p:sp>
+      <p:sp>
+        <p:nvSpPr>
+          <p:cNvPr id="57" name="TextBox 56"/>
+          <p:cNvSpPr txBox="1"/>
+          <p:nvPr/>
+        </p:nvSpPr>
+        <p:spPr>
+          <a:xfrm>
+            <a:off x="3204933" y="3858797"/>
+            <a:ext cx="1178512" cy="369332"/>
+          </a:xfrm>
+          <a:prstGeom prst="rect">
+            <a:avLst/>
+          </a:prstGeom>
+          <a:noFill/>
+        </p:spPr>
+        <p:txBody>
+          <a:bodyPr wrap="square" rtlCol="0">
+            <a:spAutoFit/>
+          </a:bodyPr>
+          <a:lstStyle/>
+          <a:p>
+            <a:r>
+              <a:rPr lang="en-US" b="1" dirty="0" smtClean="0">
+                <a:solidFill>
+                  <a:schemeClr val="bg1">
+                    <a:lumMod val="50000"/>
+                  </a:schemeClr>
+                </a:solidFill>
+              </a:rPr>
+              <a:t>Transform</a:t>
+            </a:r>
+            <a:endParaRPr lang="en-US" b="1" dirty="0">
+              <a:solidFill>
+                <a:schemeClr val="bg1">
+                  <a:lumMod val="50000"/>
+                </a:schemeClr>
+              </a:solidFill>
+            </a:endParaRPr>
+          </a:p>
+        </p:txBody>
+      </p:sp>
+      <p:sp>
+        <p:nvSpPr>
+          <p:cNvPr id="59" name="Rounded Rectangle 58"/>
+          <p:cNvSpPr/>
+          <p:nvPr/>
+        </p:nvSpPr>
+        <p:spPr>
+          <a:xfrm>
+            <a:off x="6803654" y="625138"/>
+            <a:ext cx="4523376" cy="4127157"/>
+          </a:xfrm>
+          <a:prstGeom prst="roundRect">
+            <a:avLst/>
+          </a:prstGeom>
+          <a:noFill/>
+          <a:ln>
+            <a:solidFill>
+              <a:schemeClr val="bg1"/>
+            </a:solidFill>
+            <a:prstDash val="sysDash"/>
+          </a:ln>
+        </p:spPr>
+        <p:style>
+          <a:lnRef idx="2">
+            <a:schemeClr val="accent1">
+              <a:shade val="50000"/>
+            </a:schemeClr>
+          </a:lnRef>
+          <a:fillRef idx="1">
+            <a:schemeClr val="accent1"/>
+          </a:fillRef>
+          <a:effectRef idx="0">
+            <a:schemeClr val="accent1"/>
+          </a:effectRef>
+          <a:fontRef idx="minor">
+            <a:schemeClr val="lt1"/>
+          </a:fontRef>
+        </p:style>
+        <p:txBody>
+          <a:bodyPr rtlCol="0" anchor="ctr"/>
+          <a:lstStyle/>
+          <a:p>
+            <a:pPr algn="ctr"/>
+            <a:endParaRPr lang="en-US"/>
+          </a:p>
+        </p:txBody>
+      </p:sp>
+      <p:cxnSp>
+        <p:nvCxnSpPr>
+          <p:cNvPr id="35" name="Curved Connector 34"/>
+          <p:cNvCxnSpPr/>
+          <p:nvPr/>
+        </p:nvCxnSpPr>
+        <p:spPr>
+          <a:xfrm flipV="1">
+            <a:off x="7701409" y="2177008"/>
+            <a:ext cx="1054443" cy="724529"/>
+          </a:xfrm>
+          <a:prstGeom prst="curvedConnector3">
+            <a:avLst/>
+          </a:prstGeom>
+          <a:ln>
+            <a:tailEnd type="triangle"/>
+          </a:ln>
+        </p:spPr>
+        <p:style>
+          <a:lnRef idx="3">
+            <a:schemeClr val="accent6"/>
+          </a:lnRef>
+          <a:fillRef idx="0">
+            <a:schemeClr val="accent6"/>
+          </a:fillRef>
+          <a:effectRef idx="2">
+            <a:schemeClr val="accent6"/>
+          </a:effectRef>
+          <a:fontRef idx="minor">
+            <a:schemeClr val="tx1"/>
+          </a:fontRef>
+        </p:style>
+      </p:cxnSp>
+      <p:sp>
+        <p:nvSpPr>
+          <p:cNvPr id="60" name="TextBox 24">
+            <a:extLst>
+              <a:ext uri="{FF2B5EF4-FFF2-40B4-BE49-F238E27FC236}">
+                <a16:creationId xmlns="" xmlns:a16="http://schemas.microsoft.com/office/drawing/2014/main" id="{1AE5850E-13B3-48A3-95E4-9C2ABD35A954}"/>
+              </a:ext>
+            </a:extLst>
+          </p:cNvPr>
+          <p:cNvSpPr txBox="1">
+            <a:spLocks noChangeArrowheads="1"/>
+          </p:cNvSpPr>
+          <p:nvPr/>
+        </p:nvSpPr>
+        <p:spPr bwMode="auto">
+          <a:xfrm>
+            <a:off x="8777588" y="2546274"/>
+            <a:ext cx="1075114" cy="276999"/>
+          </a:xfrm>
+          <a:prstGeom prst="rect">
+            <a:avLst/>
+          </a:prstGeom>
+          <a:noFill/>
+          <a:ln>
+            <a:noFill/>
+          </a:ln>
+          <a:extLst>
+            <a:ext uri="{909E8E84-426E-40DD-AFC4-6F175D3DCCD1}">
+              <a14:hiddenFill xmlns:a14="http://schemas.microsoft.com/office/drawing/2010/main">
+                <a:solidFill>
+                  <a:srgbClr val="FFFFFF"/>
+                </a:solidFill>
+              </a14:hiddenFill>
+            </a:ext>
+            <a:ext uri="{91240B29-F687-4F45-9708-019B960494DF}">
+              <a14:hiddenLine xmlns:a14="http://schemas.microsoft.com/office/drawing/2010/main" w="9525">
+                <a:solidFill>
+                  <a:srgbClr val="000000"/>
+                </a:solidFill>
+                <a:miter lim="800000"/>
+                <a:headEnd/>
+                <a:tailEnd/>
+              </a14:hiddenLine>
+            </a:ext>
+          </a:extLst>
+        </p:spPr>
+        <p:txBody>
+          <a:bodyPr wrap="square">
+            <a:spAutoFit/>
+          </a:bodyPr>
+          <a:lstStyle>
+            <a:lvl1pPr>
+              <a:defRPr>
+                <a:solidFill>
+                  <a:schemeClr val="tx1"/>
+                </a:solidFill>
+                <a:latin typeface="Calibri" panose="020F0502020204030204" pitchFamily="34" charset="0"/>
+              </a:defRPr>
+            </a:lvl1pPr>
+            <a:lvl2pPr marL="742950" indent="-285750">
+              <a:defRPr>
+                <a:solidFill>
+                  <a:schemeClr val="tx1"/>
+                </a:solidFill>
+                <a:latin typeface="Calibri" panose="020F0502020204030204" pitchFamily="34" charset="0"/>
+              </a:defRPr>
+            </a:lvl2pPr>
+            <a:lvl3pPr marL="1143000" indent="-228600">
+              <a:defRPr>
+                <a:solidFill>
+                  <a:schemeClr val="tx1"/>
+                </a:solidFill>
+                <a:latin typeface="Calibri" panose="020F0502020204030204" pitchFamily="34" charset="0"/>
+              </a:defRPr>
+            </a:lvl3pPr>
+            <a:lvl4pPr marL="1600200" indent="-228600">
+              <a:defRPr>
+                <a:solidFill>
+                  <a:schemeClr val="tx1"/>
+                </a:solidFill>
+                <a:latin typeface="Calibri" panose="020F0502020204030204" pitchFamily="34" charset="0"/>
+              </a:defRPr>
+            </a:lvl4pPr>
+            <a:lvl5pPr marL="2057400" indent="-228600">
+              <a:defRPr>
+                <a:solidFill>
+                  <a:schemeClr val="tx1"/>
+                </a:solidFill>
+                <a:latin typeface="Calibri" panose="020F0502020204030204" pitchFamily="34" charset="0"/>
+              </a:defRPr>
+            </a:lvl5pPr>
+            <a:lvl6pPr marL="2514600" indent="-228600" eaLnBrk="0" fontAlgn="base" hangingPunct="0">
+              <a:spcBef>
+                <a:spcPct val="0"/>
+              </a:spcBef>
+              <a:spcAft>
+                <a:spcPct val="0"/>
+              </a:spcAft>
+              <a:defRPr>
+                <a:solidFill>
+                  <a:schemeClr val="tx1"/>
+                </a:solidFill>
+                <a:latin typeface="Calibri" panose="020F0502020204030204" pitchFamily="34" charset="0"/>
+              </a:defRPr>
+            </a:lvl6pPr>
+            <a:lvl7pPr marL="2971800" indent="-228600" eaLnBrk="0" fontAlgn="base" hangingPunct="0">
+              <a:spcBef>
+                <a:spcPct val="0"/>
+              </a:spcBef>
+              <a:spcAft>
+                <a:spcPct val="0"/>
+              </a:spcAft>
+              <a:defRPr>
+                <a:solidFill>
+                  <a:schemeClr val="tx1"/>
+                </a:solidFill>
+                <a:latin typeface="Calibri" panose="020F0502020204030204" pitchFamily="34" charset="0"/>
+              </a:defRPr>
+            </a:lvl7pPr>
+            <a:lvl8pPr marL="3429000" indent="-228600" eaLnBrk="0" fontAlgn="base" hangingPunct="0">
+              <a:spcBef>
+                <a:spcPct val="0"/>
+              </a:spcBef>
+              <a:spcAft>
+                <a:spcPct val="0"/>
+              </a:spcAft>
+              <a:defRPr>
+                <a:solidFill>
+                  <a:schemeClr val="tx1"/>
+                </a:solidFill>
+                <a:latin typeface="Calibri" panose="020F0502020204030204" pitchFamily="34" charset="0"/>
+              </a:defRPr>
+            </a:lvl8pPr>
+            <a:lvl9pPr marL="3886200" indent="-228600" eaLnBrk="0" fontAlgn="base" hangingPunct="0">
+              <a:spcBef>
+                <a:spcPct val="0"/>
+              </a:spcBef>
+              <a:spcAft>
+                <a:spcPct val="0"/>
+              </a:spcAft>
+              <a:defRPr>
+                <a:solidFill>
+                  <a:schemeClr val="tx1"/>
+                </a:solidFill>
+                <a:latin typeface="Calibri" panose="020F0502020204030204" pitchFamily="34" charset="0"/>
+              </a:defRPr>
+            </a:lvl9pPr>
+          </a:lstStyle>
+          <a:p>
+            <a:pPr algn="ctr" eaLnBrk="1" hangingPunct="1"/>
+            <a:r>
+              <a:rPr lang="en-US" altLang="en-US" sz="1200" dirty="0" smtClean="0">
+                <a:solidFill>
+                  <a:schemeClr val="bg1"/>
+                </a:solidFill>
+                <a:latin typeface="Arial" panose="020B0604020202020204" pitchFamily="34" charset="0"/>
+                <a:ea typeface="Amazon Ember" panose="020B0603020204020204" pitchFamily="34" charset="0"/>
+                <a:cs typeface="Arial" panose="020B0604020202020204" pitchFamily="34" charset="0"/>
+              </a:rPr>
+              <a:t>Athena</a:t>
+            </a:r>
+            <a:endParaRPr lang="en-US" altLang="en-US" sz="1200" dirty="0">
+              <a:solidFill>
+                <a:schemeClr val="bg1"/>
+              </a:solidFill>
+              <a:latin typeface="Arial" panose="020B0604020202020204" pitchFamily="34" charset="0"/>
+              <a:ea typeface="Amazon Ember" panose="020B0603020204020204" pitchFamily="34" charset="0"/>
+              <a:cs typeface="Arial" panose="020B0604020202020204" pitchFamily="34" charset="0"/>
+            </a:endParaRPr>
+          </a:p>
+        </p:txBody>
+      </p:sp>
+      <p:cxnSp>
+        <p:nvCxnSpPr>
+          <p:cNvPr id="61" name="Curved Connector 60"/>
+          <p:cNvCxnSpPr/>
+          <p:nvPr/>
+        </p:nvCxnSpPr>
+        <p:spPr>
+          <a:xfrm>
+            <a:off x="7700339" y="2926510"/>
+            <a:ext cx="1213748" cy="538715"/>
+          </a:xfrm>
+          <a:prstGeom prst="curvedConnector3">
+            <a:avLst/>
+          </a:prstGeom>
+          <a:ln>
+            <a:tailEnd type="triangle"/>
+          </a:ln>
+        </p:spPr>
+        <p:style>
+          <a:lnRef idx="3">
+            <a:schemeClr val="accent6"/>
+          </a:lnRef>
+          <a:fillRef idx="0">
+            <a:schemeClr val="accent6"/>
+          </a:fillRef>
+          <a:effectRef idx="2">
+            <a:schemeClr val="accent6"/>
+          </a:effectRef>
+          <a:fontRef idx="minor">
+            <a:schemeClr val="tx1"/>
+          </a:fontRef>
+        </p:style>
+      </p:cxnSp>
+      <p:sp>
+        <p:nvSpPr>
+          <p:cNvPr id="62" name="TextBox 24">
+            <a:extLst>
+              <a:ext uri="{FF2B5EF4-FFF2-40B4-BE49-F238E27FC236}">
+                <a16:creationId xmlns="" xmlns:a16="http://schemas.microsoft.com/office/drawing/2014/main" id="{1AE5850E-13B3-48A3-95E4-9C2ABD35A954}"/>
+              </a:ext>
+            </a:extLst>
+          </p:cNvPr>
+          <p:cNvSpPr txBox="1">
+            <a:spLocks noChangeArrowheads="1"/>
+          </p:cNvSpPr>
+          <p:nvPr/>
+        </p:nvSpPr>
+        <p:spPr bwMode="auto">
+          <a:xfrm>
+            <a:off x="8769300" y="3683112"/>
+            <a:ext cx="1075114" cy="276999"/>
+          </a:xfrm>
+          <a:prstGeom prst="rect">
+            <a:avLst/>
+          </a:prstGeom>
+          <a:noFill/>
+          <a:ln>
+            <a:noFill/>
+          </a:ln>
+          <a:extLst>
+            <a:ext uri="{909E8E84-426E-40DD-AFC4-6F175D3DCCD1}">
+              <a14:hiddenFill xmlns:a14="http://schemas.microsoft.com/office/drawing/2010/main">
+                <a:solidFill>
+                  <a:srgbClr val="FFFFFF"/>
+                </a:solidFill>
+              </a14:hiddenFill>
+            </a:ext>
+            <a:ext uri="{91240B29-F687-4F45-9708-019B960494DF}">
+              <a14:hiddenLine xmlns:a14="http://schemas.microsoft.com/office/drawing/2010/main" w="9525">
+                <a:solidFill>
+                  <a:srgbClr val="000000"/>
+                </a:solidFill>
+                <a:miter lim="800000"/>
+                <a:headEnd/>
+                <a:tailEnd/>
+              </a14:hiddenLine>
+            </a:ext>
+          </a:extLst>
+        </p:spPr>
+        <p:txBody>
+          <a:bodyPr wrap="square">
+            <a:spAutoFit/>
+          </a:bodyPr>
+          <a:lstStyle>
+            <a:lvl1pPr>
+              <a:defRPr>
+                <a:solidFill>
+                  <a:schemeClr val="tx1"/>
+                </a:solidFill>
+                <a:latin typeface="Calibri" panose="020F0502020204030204" pitchFamily="34" charset="0"/>
+              </a:defRPr>
+            </a:lvl1pPr>
+            <a:lvl2pPr marL="742950" indent="-285750">
+              <a:defRPr>
+                <a:solidFill>
+                  <a:schemeClr val="tx1"/>
+                </a:solidFill>
+                <a:latin typeface="Calibri" panose="020F0502020204030204" pitchFamily="34" charset="0"/>
+              </a:defRPr>
+            </a:lvl2pPr>
+            <a:lvl3pPr marL="1143000" indent="-228600">
+              <a:defRPr>
+                <a:solidFill>
+                  <a:schemeClr val="tx1"/>
+                </a:solidFill>
+                <a:latin typeface="Calibri" panose="020F0502020204030204" pitchFamily="34" charset="0"/>
+              </a:defRPr>
+            </a:lvl3pPr>
+            <a:lvl4pPr marL="1600200" indent="-228600">
+              <a:defRPr>
+                <a:solidFill>
+                  <a:schemeClr val="tx1"/>
+                </a:solidFill>
+                <a:latin typeface="Calibri" panose="020F0502020204030204" pitchFamily="34" charset="0"/>
+              </a:defRPr>
+            </a:lvl4pPr>
+            <a:lvl5pPr marL="2057400" indent="-228600">
+              <a:defRPr>
+                <a:solidFill>
+                  <a:schemeClr val="tx1"/>
+                </a:solidFill>
+                <a:latin typeface="Calibri" panose="020F0502020204030204" pitchFamily="34" charset="0"/>
+              </a:defRPr>
+            </a:lvl5pPr>
+            <a:lvl6pPr marL="2514600" indent="-228600" eaLnBrk="0" fontAlgn="base" hangingPunct="0">
+              <a:spcBef>
+                <a:spcPct val="0"/>
+              </a:spcBef>
+              <a:spcAft>
+                <a:spcPct val="0"/>
+              </a:spcAft>
+              <a:defRPr>
+                <a:solidFill>
+                  <a:schemeClr val="tx1"/>
+                </a:solidFill>
+                <a:latin typeface="Calibri" panose="020F0502020204030204" pitchFamily="34" charset="0"/>
+              </a:defRPr>
+            </a:lvl6pPr>
+            <a:lvl7pPr marL="2971800" indent="-228600" eaLnBrk="0" fontAlgn="base" hangingPunct="0">
+              <a:spcBef>
+                <a:spcPct val="0"/>
+              </a:spcBef>
+              <a:spcAft>
+                <a:spcPct val="0"/>
+              </a:spcAft>
+              <a:defRPr>
+                <a:solidFill>
+                  <a:schemeClr val="tx1"/>
+                </a:solidFill>
+                <a:latin typeface="Calibri" panose="020F0502020204030204" pitchFamily="34" charset="0"/>
+              </a:defRPr>
+            </a:lvl7pPr>
+            <a:lvl8pPr marL="3429000" indent="-228600" eaLnBrk="0" fontAlgn="base" hangingPunct="0">
+              <a:spcBef>
+                <a:spcPct val="0"/>
+              </a:spcBef>
+              <a:spcAft>
+                <a:spcPct val="0"/>
+              </a:spcAft>
+              <a:defRPr>
+                <a:solidFill>
+                  <a:schemeClr val="tx1"/>
+                </a:solidFill>
+                <a:latin typeface="Calibri" panose="020F0502020204030204" pitchFamily="34" charset="0"/>
+              </a:defRPr>
+            </a:lvl8pPr>
+            <a:lvl9pPr marL="3886200" indent="-228600" eaLnBrk="0" fontAlgn="base" hangingPunct="0">
+              <a:spcBef>
+                <a:spcPct val="0"/>
+              </a:spcBef>
+              <a:spcAft>
+                <a:spcPct val="0"/>
+              </a:spcAft>
+              <a:defRPr>
+                <a:solidFill>
+                  <a:schemeClr val="tx1"/>
+                </a:solidFill>
+                <a:latin typeface="Calibri" panose="020F0502020204030204" pitchFamily="34" charset="0"/>
+              </a:defRPr>
+            </a:lvl9pPr>
+          </a:lstStyle>
+          <a:p>
+            <a:pPr algn="ctr" eaLnBrk="1" hangingPunct="1"/>
+            <a:r>
+              <a:rPr lang="en-US" altLang="en-US" sz="1200" dirty="0" smtClean="0">
+                <a:solidFill>
+                  <a:schemeClr val="bg1"/>
+                </a:solidFill>
+                <a:latin typeface="Arial" panose="020B0604020202020204" pitchFamily="34" charset="0"/>
+                <a:ea typeface="Amazon Ember" panose="020B0603020204020204" pitchFamily="34" charset="0"/>
+                <a:cs typeface="Arial" panose="020B0604020202020204" pitchFamily="34" charset="0"/>
+              </a:rPr>
+              <a:t>Redshift</a:t>
+            </a:r>
+            <a:endParaRPr lang="en-US" altLang="en-US" sz="1200" dirty="0">
+              <a:solidFill>
+                <a:schemeClr val="bg1"/>
+              </a:solidFill>
+              <a:latin typeface="Arial" panose="020B0604020202020204" pitchFamily="34" charset="0"/>
+              <a:ea typeface="Amazon Ember" panose="020B0603020204020204" pitchFamily="34" charset="0"/>
+              <a:cs typeface="Arial" panose="020B0604020202020204" pitchFamily="34" charset="0"/>
+            </a:endParaRPr>
+          </a:p>
+        </p:txBody>
+      </p:sp>
+      <p:pic>
+        <p:nvPicPr>
+          <p:cNvPr id="64" name="Picture 63"/>
+          <p:cNvPicPr>
+            <a:picLocks noChangeAspect="1"/>
+          </p:cNvPicPr>
+          <p:nvPr/>
+        </p:nvPicPr>
+        <p:blipFill>
+          <a:blip r:embed="rId20" cstate="print">
+            <a:extLst>
+              <a:ext uri="{28A0092B-C50C-407E-A947-70E740481C1C}">
+                <a14:useLocalDpi xmlns:a14="http://schemas.microsoft.com/office/drawing/2010/main" val="0"/>
+              </a:ext>
+            </a:extLst>
+          </a:blip>
+          <a:stretch>
+            <a:fillRect/>
+          </a:stretch>
+        </p:blipFill>
+        <p:spPr>
+          <a:xfrm>
+            <a:off x="9419447" y="5781922"/>
+            <a:ext cx="988581" cy="809100"/>
+          </a:xfrm>
+          <a:prstGeom prst="rect">
+            <a:avLst/>
+          </a:prstGeom>
+        </p:spPr>
+      </p:pic>
+      <p:sp>
+        <p:nvSpPr>
+          <p:cNvPr id="65" name="TextBox 64"/>
+          <p:cNvSpPr txBox="1"/>
+          <p:nvPr/>
+        </p:nvSpPr>
+        <p:spPr>
+          <a:xfrm>
+            <a:off x="9229797" y="6621984"/>
+            <a:ext cx="2159137" cy="276999"/>
+          </a:xfrm>
+          <a:prstGeom prst="rect">
+            <a:avLst/>
+          </a:prstGeom>
+          <a:noFill/>
+        </p:spPr>
+        <p:txBody>
+          <a:bodyPr wrap="square" rtlCol="0">
+            <a:spAutoFit/>
+          </a:bodyPr>
+          <a:lstStyle/>
+          <a:p>
+            <a:r>
+              <a:rPr lang="en-US" sz="1200" b="1" dirty="0" smtClean="0">
+                <a:solidFill>
+                  <a:schemeClr val="bg1">
+                    <a:lumMod val="50000"/>
+                  </a:schemeClr>
+                </a:solidFill>
+              </a:rPr>
+              <a:t>Github Code spaces</a:t>
+            </a:r>
+            <a:endParaRPr lang="en-US" sz="1200" b="1" dirty="0">
+              <a:solidFill>
+                <a:schemeClr val="bg1">
+                  <a:lumMod val="50000"/>
+                </a:schemeClr>
+              </a:solidFill>
+            </a:endParaRPr>
+          </a:p>
+        </p:txBody>
+      </p:sp>
+      <p:sp>
+        <p:nvSpPr>
+          <p:cNvPr id="66" name="Oval 65"/>
+          <p:cNvSpPr/>
+          <p:nvPr/>
+        </p:nvSpPr>
+        <p:spPr>
+          <a:xfrm>
+            <a:off x="9498227" y="5742020"/>
+            <a:ext cx="909801" cy="945246"/>
+          </a:xfrm>
+          <a:prstGeom prst="ellipse">
+            <a:avLst/>
+          </a:prstGeom>
+          <a:noFill/>
+          <a:ln>
+            <a:solidFill>
+              <a:schemeClr val="bg1"/>
+            </a:solidFill>
+            <a:prstDash val="sysDash"/>
+          </a:ln>
+        </p:spPr>
+        <p:style>
+          <a:lnRef idx="2">
+            <a:schemeClr val="accent1">
+              <a:shade val="50000"/>
+            </a:schemeClr>
+          </a:lnRef>
+          <a:fillRef idx="1">
+            <a:schemeClr val="accent1"/>
+          </a:fillRef>
+          <a:effectRef idx="0">
+            <a:schemeClr val="accent1"/>
+          </a:effectRef>
+          <a:fontRef idx="minor">
+            <a:schemeClr val="lt1"/>
           </a:fontRef>
         </p:style>
         <p:txBody>
